--- a/docs/Powerpoint đồ án tốt nghiệp.pptx
+++ b/docs/Powerpoint đồ án tốt nghiệp.pptx
@@ -234,7 +234,7 @@
           <a:p>
             <a:fld id="{5B8DC5FF-28A7-4143-AD90-94883EA12B17}" type="datetimeFigureOut">
               <a:rPr lang="vi-VN" smtClean="0"/>
-              <a:t>04/01/2023</a:t>
+              <a:t>06/01/2023</a:t>
             </a:fld>
             <a:endParaRPr lang="vi-VN"/>
           </a:p>
@@ -663,7 +663,7 @@
           <a:p>
             <a:fld id="{63937D59-5EDB-4C39-B697-625748F703B6}" type="datetimeFigureOut">
               <a:rPr lang="en-US" smtClean="0"/>
-              <a:t>1/4/2023</a:t>
+              <a:t>1/6/2023</a:t>
             </a:fld>
             <a:endParaRPr lang="en-US"/>
           </a:p>
@@ -938,7 +938,7 @@
           <a:p>
             <a:fld id="{63937D59-5EDB-4C39-B697-625748F703B6}" type="datetimeFigureOut">
               <a:rPr lang="en-US" smtClean="0"/>
-              <a:t>1/4/2023</a:t>
+              <a:t>1/6/2023</a:t>
             </a:fld>
             <a:endParaRPr lang="en-US"/>
           </a:p>
@@ -1190,7 +1190,7 @@
           <a:p>
             <a:fld id="{63937D59-5EDB-4C39-B697-625748F703B6}" type="datetimeFigureOut">
               <a:rPr lang="en-US" smtClean="0"/>
-              <a:t>1/4/2023</a:t>
+              <a:t>1/6/2023</a:t>
             </a:fld>
             <a:endParaRPr lang="en-US"/>
           </a:p>
@@ -1358,7 +1358,7 @@
           <a:p>
             <a:fld id="{63937D59-5EDB-4C39-B697-625748F703B6}" type="datetimeFigureOut">
               <a:rPr lang="en-US" smtClean="0"/>
-              <a:t>1/4/2023</a:t>
+              <a:t>1/6/2023</a:t>
             </a:fld>
             <a:endParaRPr lang="en-US"/>
           </a:p>
@@ -1536,7 +1536,7 @@
           <a:p>
             <a:fld id="{63937D59-5EDB-4C39-B697-625748F703B6}" type="datetimeFigureOut">
               <a:rPr lang="en-US" smtClean="0"/>
-              <a:t>1/4/2023</a:t>
+              <a:t>1/6/2023</a:t>
             </a:fld>
             <a:endParaRPr lang="en-US"/>
           </a:p>
@@ -2132,7 +2132,7 @@
           <a:p>
             <a:fld id="{63937D59-5EDB-4C39-B697-625748F703B6}" type="datetimeFigureOut">
               <a:rPr lang="en-US" smtClean="0"/>
-              <a:t>1/4/2023</a:t>
+              <a:t>1/6/2023</a:t>
             </a:fld>
             <a:endParaRPr lang="en-US"/>
           </a:p>
@@ -2300,7 +2300,7 @@
           <a:p>
             <a:fld id="{63937D59-5EDB-4C39-B697-625748F703B6}" type="datetimeFigureOut">
               <a:rPr lang="en-US" smtClean="0"/>
-              <a:t>1/4/2023</a:t>
+              <a:t>1/6/2023</a:t>
             </a:fld>
             <a:endParaRPr lang="en-US"/>
           </a:p>
@@ -2545,7 +2545,7 @@
           <a:p>
             <a:fld id="{63937D59-5EDB-4C39-B697-625748F703B6}" type="datetimeFigureOut">
               <a:rPr lang="en-US" smtClean="0"/>
-              <a:t>1/4/2023</a:t>
+              <a:t>1/6/2023</a:t>
             </a:fld>
             <a:endParaRPr lang="en-US"/>
           </a:p>
@@ -2830,7 +2830,7 @@
           <a:p>
             <a:fld id="{63937D59-5EDB-4C39-B697-625748F703B6}" type="datetimeFigureOut">
               <a:rPr lang="en-US" smtClean="0"/>
-              <a:t>1/4/2023</a:t>
+              <a:t>1/6/2023</a:t>
             </a:fld>
             <a:endParaRPr lang="en-US"/>
           </a:p>
@@ -3249,7 +3249,7 @@
           <a:p>
             <a:fld id="{63937D59-5EDB-4C39-B697-625748F703B6}" type="datetimeFigureOut">
               <a:rPr lang="en-US" smtClean="0"/>
-              <a:t>1/4/2023</a:t>
+              <a:t>1/6/2023</a:t>
             </a:fld>
             <a:endParaRPr lang="en-US"/>
           </a:p>
@@ -3366,7 +3366,7 @@
           <a:p>
             <a:fld id="{63937D59-5EDB-4C39-B697-625748F703B6}" type="datetimeFigureOut">
               <a:rPr lang="en-US" smtClean="0"/>
-              <a:t>1/4/2023</a:t>
+              <a:t>1/6/2023</a:t>
             </a:fld>
             <a:endParaRPr lang="en-US"/>
           </a:p>
@@ -3868,7 +3868,7 @@
           <a:p>
             <a:fld id="{63937D59-5EDB-4C39-B697-625748F703B6}" type="datetimeFigureOut">
               <a:rPr lang="en-US" smtClean="0"/>
-              <a:t>1/4/2023</a:t>
+              <a:t>1/6/2023</a:t>
             </a:fld>
             <a:endParaRPr lang="en-US"/>
           </a:p>
@@ -4532,6 +4532,69 @@
           </a:p>
         </p:txBody>
       </p:sp>
+      <p:sp>
+        <p:nvSpPr>
+          <p:cNvPr id="3" name="TextBox 3">
+            <a:extLst>
+              <a:ext uri="{FF2B5EF4-FFF2-40B4-BE49-F238E27FC236}">
+                <a16:creationId xmlns:a16="http://schemas.microsoft.com/office/drawing/2014/main" id="{F997FF10-D253-C67F-BEE5-3DC55292728C}"/>
+              </a:ext>
+            </a:extLst>
+          </p:cNvPr>
+          <p:cNvSpPr txBox="1"/>
+          <p:nvPr/>
+        </p:nvSpPr>
+        <p:spPr>
+          <a:xfrm>
+            <a:off x="107504" y="2449278"/>
+            <a:ext cx="9143996" cy="369332"/>
+          </a:xfrm>
+          <a:prstGeom prst="rect">
+            <a:avLst/>
+          </a:prstGeom>
+          <a:noFill/>
+        </p:spPr>
+        <p:txBody>
+          <a:bodyPr wrap="square">
+            <a:spAutoFit/>
+          </a:bodyPr>
+          <a:lstStyle/>
+          <a:p>
+            <a:pPr algn="ctr" fontAlgn="auto">
+              <a:spcBef>
+                <a:spcPts val="0"/>
+              </a:spcBef>
+              <a:spcAft>
+                <a:spcPts val="0"/>
+              </a:spcAft>
+              <a:defRPr/>
+            </a:pPr>
+            <a:r>
+              <a:rPr kumimoji="0" lang="en-US" altLang="ko-KR" b="1">
+                <a:solidFill>
+                  <a:schemeClr val="tx1">
+                    <a:lumMod val="75000"/>
+                    <a:lumOff val="25000"/>
+                  </a:schemeClr>
+                </a:solidFill>
+                <a:latin typeface="Arial" pitchFamily="34" charset="0"/>
+                <a:cs typeface="Arial" pitchFamily="34" charset="0"/>
+              </a:rPr>
+              <a:t>HỘI ĐỒNG 7</a:t>
+            </a:r>
+            <a:endParaRPr kumimoji="0" lang="en-US" altLang="ko-KR" b="1" dirty="0">
+              <a:solidFill>
+                <a:schemeClr val="tx1">
+                  <a:lumMod val="75000"/>
+                  <a:lumOff val="25000"/>
+                </a:schemeClr>
+              </a:solidFill>
+              <a:latin typeface="Arial" pitchFamily="34" charset="0"/>
+              <a:cs typeface="Arial" pitchFamily="34" charset="0"/>
+            </a:endParaRPr>
+          </a:p>
+        </p:txBody>
+      </p:sp>
     </p:spTree>
     <p:extLst>
       <p:ext uri="{BB962C8B-B14F-4D97-AF65-F5344CB8AC3E}">
@@ -4761,13 +4824,13 @@
   <p:clrMapOvr>
     <a:masterClrMapping/>
   </p:clrMapOvr>
-  <mc:AlternateContent xmlns:mc="http://schemas.openxmlformats.org/markup-compatibility/2006">
-    <mc:Choice xmlns:p14="http://schemas.microsoft.com/office/powerpoint/2010/main" Requires="p14">
+  <mc:AlternateContent xmlns:mc="http://schemas.openxmlformats.org/markup-compatibility/2006" xmlns:p14="http://schemas.microsoft.com/office/powerpoint/2010/main">
+    <mc:Choice Requires="p14">
       <p:transition spd="med" p14:dur="700">
         <p:fade/>
       </p:transition>
     </mc:Choice>
-    <mc:Fallback>
+    <mc:Fallback xmlns="">
       <p:transition spd="med">
         <p:fade/>
       </p:transition>
@@ -5676,9 +5739,18 @@
   <p:clrMapOvr>
     <a:masterClrMapping/>
   </p:clrMapOvr>
-  <p:transition spd="slow">
-    <p:push dir="u"/>
-  </p:transition>
+  <mc:AlternateContent xmlns:mc="http://schemas.openxmlformats.org/markup-compatibility/2006" xmlns:p14="http://schemas.microsoft.com/office/powerpoint/2010/main">
+    <mc:Choice Requires="p14">
+      <p:transition spd="med" p14:dur="700">
+        <p:fade/>
+      </p:transition>
+    </mc:Choice>
+    <mc:Fallback xmlns="">
+      <p:transition spd="med">
+        <p:fade/>
+      </p:transition>
+    </mc:Fallback>
+  </mc:AlternateContent>
   <p:timing>
     <p:tnLst>
       <p:par>
@@ -6586,13 +6658,13 @@
   <p:clrMapOvr>
     <a:masterClrMapping/>
   </p:clrMapOvr>
-  <mc:AlternateContent xmlns:mc="http://schemas.openxmlformats.org/markup-compatibility/2006">
-    <mc:Choice xmlns:p14="http://schemas.microsoft.com/office/powerpoint/2010/main" Requires="p14">
+  <mc:AlternateContent xmlns:mc="http://schemas.openxmlformats.org/markup-compatibility/2006" xmlns:p14="http://schemas.microsoft.com/office/powerpoint/2010/main">
+    <mc:Choice Requires="p14">
       <p:transition spd="slow" p14:dur="1500">
         <p:split orient="vert"/>
       </p:transition>
     </mc:Choice>
-    <mc:Fallback>
+    <mc:Fallback xmlns="">
       <p:transition spd="slow">
         <p:split orient="vert"/>
       </p:transition>
@@ -6693,13 +6765,13 @@
   <p:clrMapOvr>
     <a:masterClrMapping/>
   </p:clrMapOvr>
-  <mc:AlternateContent xmlns:mc="http://schemas.openxmlformats.org/markup-compatibility/2006">
-    <mc:Choice xmlns:p14="http://schemas.microsoft.com/office/powerpoint/2010/main" Requires="p14">
+  <mc:AlternateContent xmlns:mc="http://schemas.openxmlformats.org/markup-compatibility/2006" xmlns:p14="http://schemas.microsoft.com/office/powerpoint/2010/main">
+    <mc:Choice Requires="p14">
       <p:transition spd="slow" p14:dur="1500">
         <p:split orient="vert"/>
       </p:transition>
     </mc:Choice>
-    <mc:Fallback>
+    <mc:Fallback xmlns="">
       <p:transition spd="slow">
         <p:split orient="vert"/>
       </p:transition>
@@ -7418,13 +7490,13 @@
   <p:clrMapOvr>
     <a:masterClrMapping/>
   </p:clrMapOvr>
-  <mc:AlternateContent xmlns:mc="http://schemas.openxmlformats.org/markup-compatibility/2006">
-    <mc:Choice xmlns:p14="http://schemas.microsoft.com/office/powerpoint/2010/main" Requires="p14">
+  <mc:AlternateContent xmlns:mc="http://schemas.openxmlformats.org/markup-compatibility/2006" xmlns:p14="http://schemas.microsoft.com/office/powerpoint/2010/main">
+    <mc:Choice Requires="p14">
       <p:transition spd="med" p14:dur="700">
         <p:fade/>
       </p:transition>
     </mc:Choice>
-    <mc:Fallback>
+    <mc:Fallback xmlns="">
       <p:transition spd="med">
         <p:fade/>
       </p:transition>
@@ -8631,13 +8703,13 @@
   <p:clrMapOvr>
     <a:masterClrMapping/>
   </p:clrMapOvr>
-  <mc:AlternateContent xmlns:mc="http://schemas.openxmlformats.org/markup-compatibility/2006">
-    <mc:Choice xmlns:p14="http://schemas.microsoft.com/office/powerpoint/2010/main" Requires="p14">
+  <mc:AlternateContent xmlns:mc="http://schemas.openxmlformats.org/markup-compatibility/2006" xmlns:p14="http://schemas.microsoft.com/office/powerpoint/2010/main">
+    <mc:Choice Requires="p14">
       <p:transition spd="med" p14:dur="700">
         <p:fade/>
       </p:transition>
     </mc:Choice>
-    <mc:Fallback>
+    <mc:Fallback xmlns="">
       <p:transition spd="med">
         <p:fade/>
       </p:transition>
@@ -9360,13 +9432,13 @@
   <p:clrMapOvr>
     <a:masterClrMapping/>
   </p:clrMapOvr>
-  <mc:AlternateContent xmlns:mc="http://schemas.openxmlformats.org/markup-compatibility/2006">
-    <mc:Choice xmlns:p14="http://schemas.microsoft.com/office/powerpoint/2010/main" Requires="p14">
+  <mc:AlternateContent xmlns:mc="http://schemas.openxmlformats.org/markup-compatibility/2006" xmlns:p14="http://schemas.microsoft.com/office/powerpoint/2010/main">
+    <mc:Choice Requires="p14">
       <p:transition spd="med" p14:dur="700">
         <p:fade/>
       </p:transition>
     </mc:Choice>
-    <mc:Fallback>
+    <mc:Fallback xmlns="">
       <p:transition spd="med">
         <p:fade/>
       </p:transition>
@@ -10115,13 +10187,13 @@
   <p:clrMapOvr>
     <a:masterClrMapping/>
   </p:clrMapOvr>
-  <mc:AlternateContent xmlns:mc="http://schemas.openxmlformats.org/markup-compatibility/2006">
-    <mc:Choice xmlns:p14="http://schemas.microsoft.com/office/powerpoint/2010/main" Requires="p14">
+  <mc:AlternateContent xmlns:mc="http://schemas.openxmlformats.org/markup-compatibility/2006" xmlns:p14="http://schemas.microsoft.com/office/powerpoint/2010/main">
+    <mc:Choice Requires="p14">
       <p:transition spd="med" p14:dur="700">
         <p:fade/>
       </p:transition>
     </mc:Choice>
-    <mc:Fallback>
+    <mc:Fallback xmlns="">
       <p:transition spd="med">
         <p:fade/>
       </p:transition>
@@ -10258,13 +10330,13 @@
   <p:clrMapOvr>
     <a:masterClrMapping/>
   </p:clrMapOvr>
-  <mc:AlternateContent xmlns:mc="http://schemas.openxmlformats.org/markup-compatibility/2006">
-    <mc:Choice xmlns:p14="http://schemas.microsoft.com/office/powerpoint/2010/main" Requires="p14">
+  <mc:AlternateContent xmlns:mc="http://schemas.openxmlformats.org/markup-compatibility/2006" xmlns:p14="http://schemas.microsoft.com/office/powerpoint/2010/main">
+    <mc:Choice Requires="p14">
       <p:transition spd="med" p14:dur="700">
         <p:fade/>
       </p:transition>
     </mc:Choice>
-    <mc:Fallback>
+    <mc:Fallback xmlns="">
       <p:transition spd="med">
         <p:fade/>
       </p:transition>
